--- a/1st_review_slide/2_data_visualization_201012.pptx
+++ b/1st_review_slide/2_data_visualization_201012.pptx
@@ -138,6 +138,49 @@
 </p:presentation>
 </file>
 
+<file path=ppt/commentAuthors.xml><?xml version="1.0" encoding="utf-8"?>
+<p:cmAuthorLst xmlns:a="http://schemas.openxmlformats.org/drawingml/2006/main" xmlns:r="http://schemas.openxmlformats.org/officeDocument/2006/relationships" xmlns:p="http://schemas.openxmlformats.org/presentationml/2006/main">
+  <p:cmAuthor id="1" name="INOUE HIROYUKI / 井上 裕之" initials="IH/井裕" lastIdx="2" clrIdx="0">
+    <p:extLst>
+      <p:ext uri="{19B8F6BF-5375-455C-9EA6-DF929625EA0E}">
+        <p15:presenceInfo xmlns:p15="http://schemas.microsoft.com/office/powerpoint/2012/main" userId="S-1-5-21-2304227532-392271255-3195294537-191705" providerId="AD"/>
+      </p:ext>
+    </p:extLst>
+  </p:cmAuthor>
+</p:cmAuthorLst>
+</file>
+
+<file path=ppt/comments/comment1.xml><?xml version="1.0" encoding="utf-8"?>
+<p:cmLst xmlns:a="http://schemas.openxmlformats.org/drawingml/2006/main" xmlns:r="http://schemas.openxmlformats.org/officeDocument/2006/relationships" xmlns:p="http://schemas.openxmlformats.org/presentationml/2006/main">
+  <p:cm authorId="1" dt="2020-10-22T17:18:33.775" idx="1">
+    <p:pos x="2935" y="2090"/>
+    <p:text>コード自体は全く問題ないのですが、
+佐々木さん分では
+%&gt;% group_by(ID) %&gt;% slice(1) %&gt;% ungroup()
+の書き方をしているので、色々な書き方があるということだけ口頭で説明したほうがいいかもしれないです。</p:text>
+    <p:extLst>
+      <p:ext uri="{C676402C-5697-4E1C-873F-D02D1690AC5C}">
+        <p15:threadingInfo xmlns:p15="http://schemas.microsoft.com/office/powerpoint/2012/main" timeZoneBias="-540"/>
+      </p:ext>
+    </p:extLst>
+  </p:cm>
+</p:cmLst>
+</file>
+
+<file path=ppt/comments/comment2.xml><?xml version="1.0" encoding="utf-8"?>
+<p:cmLst xmlns:a="http://schemas.openxmlformats.org/drawingml/2006/main" xmlns:r="http://schemas.openxmlformats.org/officeDocument/2006/relationships" xmlns:p="http://schemas.openxmlformats.org/presentationml/2006/main">
+  <p:cm authorId="1" dt="2020-10-22T17:22:11.340" idx="2">
+    <p:pos x="1145" y="3266"/>
+    <p:text>、不要？</p:text>
+    <p:extLst>
+      <p:ext uri="{C676402C-5697-4E1C-873F-D02D1690AC5C}">
+        <p15:threadingInfo xmlns:p15="http://schemas.microsoft.com/office/powerpoint/2012/main" timeZoneBias="-540"/>
+      </p:ext>
+    </p:extLst>
+  </p:cm>
+</p:cmLst>
+</file>
+
 <file path=ppt/notesMasters/notesMaster1.xml><?xml version="1.0" encoding="utf-8"?>
 <p:notesMaster xmlns:a="http://schemas.openxmlformats.org/drawingml/2006/main" xmlns:r="http://schemas.openxmlformats.org/officeDocument/2006/relationships" xmlns:p="http://schemas.openxmlformats.org/presentationml/2006/main">
   <p:cSld>
@@ -220,7 +263,7 @@
           <a:p>
             <a:fld id="{2A71EC23-F9ED-424C-B5FB-B7B5F6D78B70}" type="datetimeFigureOut">
               <a:rPr kumimoji="1" lang="ja-JP" altLang="en-US" smtClean="0"/>
-              <a:t>2020/10/12</a:t>
+              <a:t>2020/10/22</a:t>
             </a:fld>
             <a:endParaRPr kumimoji="1" lang="ja-JP" altLang="en-US"/>
           </a:p>
@@ -739,7 +782,7 @@
           <a:p>
             <a:fld id="{0F81A95D-05BA-458D-BB44-152E4BC8CA84}" type="datetime1">
               <a:rPr kumimoji="1" lang="ja-JP" altLang="en-US" smtClean="0"/>
-              <a:t>2020/10/12</a:t>
+              <a:t>2020/10/22</a:t>
             </a:fld>
             <a:endParaRPr kumimoji="1" lang="ja-JP" altLang="en-US"/>
           </a:p>
@@ -961,7 +1004,7 @@
           <a:p>
             <a:fld id="{9906A6E4-4266-427F-9354-B8DA436806C3}" type="datetime1">
               <a:rPr kumimoji="1" lang="ja-JP" altLang="en-US" smtClean="0"/>
-              <a:t>2020/10/12</a:t>
+              <a:t>2020/10/22</a:t>
             </a:fld>
             <a:endParaRPr kumimoji="1" lang="ja-JP" altLang="en-US"/>
           </a:p>
@@ -1177,7 +1220,7 @@
           <a:p>
             <a:fld id="{362664A4-23FB-43CF-818D-F7393D757BD2}" type="datetime1">
               <a:rPr kumimoji="1" lang="ja-JP" altLang="en-US" smtClean="0"/>
-              <a:t>2020/10/12</a:t>
+              <a:t>2020/10/22</a:t>
             </a:fld>
             <a:endParaRPr kumimoji="1" lang="ja-JP" altLang="en-US"/>
           </a:p>
@@ -1383,7 +1426,7 @@
           <a:p>
             <a:fld id="{BFE15652-DDD4-4E36-9CB3-8E9EF446BEDB}" type="datetime1">
               <a:rPr kumimoji="1" lang="ja-JP" altLang="en-US" smtClean="0"/>
-              <a:t>2020/10/12</a:t>
+              <a:t>2020/10/22</a:t>
             </a:fld>
             <a:endParaRPr kumimoji="1" lang="ja-JP" altLang="en-US"/>
           </a:p>
@@ -1654,7 +1697,7 @@
           <a:p>
             <a:fld id="{30BAF585-2E3D-431A-AD29-AD87965751CC}" type="datetime1">
               <a:rPr kumimoji="1" lang="ja-JP" altLang="en-US" smtClean="0"/>
-              <a:t>2020/10/12</a:t>
+              <a:t>2020/10/22</a:t>
             </a:fld>
             <a:endParaRPr kumimoji="1" lang="ja-JP" altLang="en-US"/>
           </a:p>
@@ -1970,7 +2013,7 @@
           <a:p>
             <a:fld id="{0A1D67E2-B520-4BB6-8434-DE7E995735B8}" type="datetime1">
               <a:rPr kumimoji="1" lang="ja-JP" altLang="en-US" smtClean="0"/>
-              <a:t>2020/10/12</a:t>
+              <a:t>2020/10/22</a:t>
             </a:fld>
             <a:endParaRPr kumimoji="1" lang="ja-JP" altLang="en-US"/>
           </a:p>
@@ -2421,7 +2464,7 @@
           <a:p>
             <a:fld id="{500F9857-EF08-440C-94CB-83D9EE0D5A5A}" type="datetime1">
               <a:rPr kumimoji="1" lang="ja-JP" altLang="en-US" smtClean="0"/>
-              <a:t>2020/10/12</a:t>
+              <a:t>2020/10/22</a:t>
             </a:fld>
             <a:endParaRPr kumimoji="1" lang="ja-JP" altLang="en-US"/>
           </a:p>
@@ -2559,7 +2602,7 @@
           <a:p>
             <a:fld id="{B6BF44F8-E47A-4CCA-94C1-5A88DC7B414A}" type="datetime1">
               <a:rPr kumimoji="1" lang="ja-JP" altLang="en-US" smtClean="0"/>
-              <a:t>2020/10/12</a:t>
+              <a:t>2020/10/22</a:t>
             </a:fld>
             <a:endParaRPr kumimoji="1" lang="ja-JP" altLang="en-US"/>
           </a:p>
@@ -2674,7 +2717,7 @@
           <a:p>
             <a:fld id="{DE263015-59FD-444D-A49B-45D0DD94C4F1}" type="datetime1">
               <a:rPr kumimoji="1" lang="ja-JP" altLang="en-US" smtClean="0"/>
-              <a:t>2020/10/12</a:t>
+              <a:t>2020/10/22</a:t>
             </a:fld>
             <a:endParaRPr kumimoji="1" lang="ja-JP" altLang="en-US"/>
           </a:p>
@@ -3003,7 +3046,7 @@
           <a:p>
             <a:fld id="{7A6651C1-F643-424E-9D81-62CF9A82FABB}" type="datetime1">
               <a:rPr kumimoji="1" lang="ja-JP" altLang="en-US" smtClean="0"/>
-              <a:t>2020/10/12</a:t>
+              <a:t>2020/10/22</a:t>
             </a:fld>
             <a:endParaRPr kumimoji="1" lang="ja-JP" altLang="en-US"/>
           </a:p>
@@ -3264,7 +3307,7 @@
           <a:p>
             <a:fld id="{E79AACC8-2A3E-4AB1-936D-2A445495DFBA}" type="datetime1">
               <a:rPr kumimoji="1" lang="ja-JP" altLang="en-US" smtClean="0"/>
-              <a:t>2020/10/12</a:t>
+              <a:t>2020/10/22</a:t>
             </a:fld>
             <a:endParaRPr kumimoji="1" lang="ja-JP" altLang="en-US"/>
           </a:p>
@@ -3513,7 +3556,7 @@
           <a:p>
             <a:fld id="{79B7E619-0862-4EB5-B675-91B651E48568}" type="datetime1">
               <a:rPr kumimoji="1" lang="ja-JP" altLang="en-US" smtClean="0"/>
-              <a:t>2020/10/12</a:t>
+              <a:t>2020/10/22</a:t>
             </a:fld>
             <a:endParaRPr kumimoji="1" lang="ja-JP" altLang="en-US"/>
           </a:p>
@@ -5074,15 +5117,7 @@
                   <a:schemeClr val="accent5"/>
                 </a:solidFill>
               </a:rPr>
-              <a:t>変量候補の相関関係の</a:t>
-            </a:r>
-            <a:r>
-              <a:rPr kumimoji="1" lang="ja-JP" altLang="en-US" dirty="0" smtClean="0">
-                <a:solidFill>
-                  <a:schemeClr val="accent5"/>
-                </a:solidFill>
-              </a:rPr>
-              <a:t>確認</a:t>
+              <a:t>変量候補の相関関係の確認</a:t>
             </a:r>
             <a:r>
               <a:rPr lang="ja-JP" altLang="en-US" dirty="0" smtClean="0">
@@ -5844,11 +5879,7 @@
             </a:r>
             <a:r>
               <a:rPr lang="ja-JP" altLang="en-US" dirty="0" smtClean="0"/>
-              <a:t>変量を組み込む際の式を検討する（比例的な増加か？累積的な増加か</a:t>
-            </a:r>
-            <a:r>
-              <a:rPr lang="ja-JP" altLang="en-US" dirty="0" smtClean="0"/>
-              <a:t>？頭打ちか？）</a:t>
+              <a:t>変量を組み込む際の式を検討する（比例的な増加か？累積的な増加か？頭打ちか？）</a:t>
             </a:r>
             <a:endParaRPr lang="en-US" altLang="ja-JP" dirty="0" smtClean="0"/>
           </a:p>
@@ -5939,40 +5970,7 @@
                   </a:schemeClr>
                 </a:solidFill>
               </a:rPr>
-              <a:t>散布図</a:t>
-            </a:r>
-            <a:r>
-              <a:rPr kumimoji="1" lang="ja-JP" altLang="en-US" b="1" dirty="0" smtClean="0">
-                <a:solidFill>
-                  <a:schemeClr val="tx1">
-                    <a:lumMod val="50000"/>
-                    <a:lumOff val="50000"/>
-                  </a:schemeClr>
-                </a:solidFill>
-              </a:rPr>
-              <a:t>行列</a:t>
-            </a:r>
-            <a:r>
-              <a:rPr kumimoji="1" lang="ja-JP" altLang="en-US" b="1" dirty="0" smtClean="0">
-                <a:solidFill>
-                  <a:schemeClr val="tx1">
-                    <a:lumMod val="50000"/>
-                    <a:lumOff val="50000"/>
-                  </a:schemeClr>
-                </a:solidFill>
-              </a:rPr>
-              <a:t>作成の前処理に</a:t>
-            </a:r>
-            <a:r>
-              <a:rPr kumimoji="1" lang="ja-JP" altLang="en-US" b="1" dirty="0" smtClean="0">
-                <a:solidFill>
-                  <a:schemeClr val="tx1">
-                    <a:lumMod val="50000"/>
-                    <a:lumOff val="50000"/>
-                  </a:schemeClr>
-                </a:solidFill>
-              </a:rPr>
-              <a:t>必要な関数</a:t>
+              <a:t>散布図行列作成の前処理に必要な関数</a:t>
             </a:r>
             <a:endParaRPr kumimoji="1" lang="ja-JP" altLang="en-US" b="1" dirty="0">
               <a:solidFill>
@@ -6071,11 +6069,7 @@
             </a:r>
             <a:r>
               <a:rPr lang="en-US" altLang="ja-JP" sz="1600" dirty="0" smtClean="0"/>
-              <a:t>nmdata2</a:t>
-            </a:r>
-            <a:r>
-              <a:rPr lang="en-US" altLang="ja-JP" sz="1600" dirty="0" smtClean="0"/>
-              <a:t> </a:t>
+              <a:t>nmdata2 </a:t>
             </a:r>
             <a:r>
               <a:rPr lang="en-US" altLang="ja-JP" sz="1600" dirty="0"/>
@@ -6158,11 +6152,7 @@
             </a:r>
             <a:r>
               <a:rPr lang="en-US" altLang="ja-JP" sz="1600" dirty="0" smtClean="0"/>
-              <a:t>nmdata2</a:t>
-            </a:r>
-            <a:r>
-              <a:rPr lang="en-US" altLang="ja-JP" sz="1600" dirty="0" smtClean="0"/>
-              <a:t> </a:t>
+              <a:t>nmdata2 </a:t>
             </a:r>
             <a:r>
               <a:rPr lang="en-US" altLang="ja-JP" sz="1600" dirty="0"/>
@@ -6282,11 +6272,7 @@
             </a:r>
             <a:r>
               <a:rPr lang="en-US" altLang="ja-JP" sz="1600" dirty="0" smtClean="0"/>
-              <a:t>nmdata2 </a:t>
-            </a:r>
-            <a:r>
-              <a:rPr lang="en-US" altLang="ja-JP" sz="1600" dirty="0" smtClean="0"/>
-              <a:t>&lt;- </a:t>
+              <a:t>nmdata2 &lt;- </a:t>
             </a:r>
             <a:r>
               <a:rPr lang="en-US" altLang="ja-JP" sz="1600" dirty="0" err="1" smtClean="0"/>
@@ -6361,11 +6347,7 @@
             </a:r>
             <a:r>
               <a:rPr lang="en-US" altLang="ja-JP" sz="1600" dirty="0"/>
-              <a:t> nmdata2 </a:t>
-            </a:r>
-            <a:r>
-              <a:rPr lang="en-US" altLang="ja-JP" sz="1600" dirty="0"/>
-              <a:t>&lt;- </a:t>
+              <a:t> nmdata2 &lt;- </a:t>
             </a:r>
             <a:r>
               <a:rPr lang="en-US" altLang="ja-JP" sz="1600" dirty="0" err="1"/>
@@ -6425,19 +6407,11 @@
             </a:pPr>
             <a:r>
               <a:rPr lang="ja-JP" altLang="en-US" sz="1600" dirty="0" smtClean="0"/>
-              <a:t>例</a:t>
-            </a:r>
-            <a:r>
-              <a:rPr lang="ja-JP" altLang="en-US" sz="1600" dirty="0" smtClean="0"/>
-              <a:t>：</a:t>
+              <a:t>例：</a:t>
             </a:r>
             <a:r>
               <a:rPr lang="en-US" altLang="ja-JP" sz="1600" dirty="0"/>
-              <a:t> nmdata2 </a:t>
-            </a:r>
-            <a:r>
-              <a:rPr lang="en-US" altLang="ja-JP" sz="1600" dirty="0"/>
-              <a:t>&lt;- </a:t>
+              <a:t> nmdata2 &lt;- </a:t>
             </a:r>
             <a:r>
               <a:rPr lang="en-US" altLang="ja-JP" sz="1600" dirty="0" err="1"/>
@@ -6485,11 +6459,7 @@
             </a:r>
             <a:r>
               <a:rPr lang="ja-JP" altLang="en-US" sz="1600" dirty="0" smtClean="0"/>
-              <a:t>）に変更</a:t>
-            </a:r>
-            <a:r>
-              <a:rPr lang="ja-JP" altLang="en-US" sz="1600" dirty="0" smtClean="0"/>
-              <a:t>する</a:t>
+              <a:t>）に変更する</a:t>
             </a:r>
             <a:endParaRPr lang="en-US" altLang="ja-JP" sz="1600" dirty="0" smtClean="0"/>
           </a:p>
@@ -6698,11 +6668,7 @@
             </a:r>
             <a:r>
               <a:rPr lang="ja-JP" altLang="en-US" sz="2000" dirty="0" smtClean="0"/>
-              <a:t>：</a:t>
-            </a:r>
-            <a:r>
-              <a:rPr lang="ja-JP" altLang="en-US" sz="2000" dirty="0" smtClean="0"/>
-              <a:t>「</a:t>
+              <a:t>：「</a:t>
             </a:r>
             <a:r>
               <a:rPr lang="en-US" altLang="ja-JP" sz="2000" dirty="0" smtClean="0"/>
@@ -7112,11 +7078,6 @@
               </a:rPr>
               <a:t>=MALE))</a:t>
             </a:r>
-            <a:endParaRPr lang="en-US" altLang="ja-JP" sz="2000" dirty="0" smtClean="0">
-              <a:solidFill>
-                <a:schemeClr val="accent5"/>
-              </a:solidFill>
-            </a:endParaRPr>
           </a:p>
           <a:p>
             <a:pPr lvl="1">
@@ -7134,11 +7095,7 @@
             </a:r>
             <a:r>
               <a:rPr lang="ja-JP" altLang="en-US" sz="2000" dirty="0" smtClean="0"/>
-              <a:t>」</a:t>
-            </a:r>
-            <a:r>
-              <a:rPr lang="ja-JP" altLang="en-US" sz="2000" dirty="0" smtClean="0"/>
-              <a:t>列で色分けして表示</a:t>
+              <a:t>」列で色分けして表示</a:t>
             </a:r>
             <a:endParaRPr lang="en-US" altLang="ja-JP" sz="2000" dirty="0"/>
           </a:p>
@@ -7380,11 +7337,7 @@
             </a:r>
             <a:r>
               <a:rPr kumimoji="1" lang="ja-JP" altLang="en-US" dirty="0" smtClean="0"/>
-              <a:t>内</a:t>
-            </a:r>
-            <a:r>
-              <a:rPr kumimoji="1" lang="ja-JP" altLang="en-US" dirty="0" smtClean="0"/>
-              <a:t>の</a:t>
+              <a:t>内の</a:t>
             </a:r>
             <a:r>
               <a:rPr lang="en-US" altLang="ja-JP" dirty="0" smtClean="0">
@@ -7428,15 +7381,7 @@
             </a:r>
             <a:r>
               <a:rPr kumimoji="1" lang="ja-JP" altLang="en-US" dirty="0" smtClean="0"/>
-              <a:t>として作成</a:t>
-            </a:r>
-            <a:r>
-              <a:rPr kumimoji="1" lang="ja-JP" altLang="en-US" dirty="0" smtClean="0"/>
-              <a:t>してください</a:t>
-            </a:r>
-            <a:r>
-              <a:rPr kumimoji="1" lang="ja-JP" altLang="en-US" dirty="0" smtClean="0"/>
-              <a:t>。</a:t>
+              <a:t>として作成してください。</a:t>
             </a:r>
             <a:endParaRPr lang="en-US" altLang="ja-JP" dirty="0"/>
           </a:p>
@@ -7831,18 +7776,7 @@
                   </a:schemeClr>
                 </a:solidFill>
               </a:rPr>
-              <a:t>：</a:t>
-            </a:r>
-            <a:r>
-              <a:rPr kumimoji="1" lang="ja-JP" altLang="en-US" b="1" dirty="0" smtClean="0">
-                <a:solidFill>
-                  <a:schemeClr val="tx1">
-                    <a:lumMod val="50000"/>
-                    <a:lumOff val="50000"/>
-                  </a:schemeClr>
-                </a:solidFill>
-              </a:rPr>
-              <a:t>回答コード例</a:t>
+              <a:t>：回答コード例</a:t>
             </a:r>
             <a:endParaRPr kumimoji="1" lang="ja-JP" altLang="en-US" b="1" dirty="0">
               <a:solidFill>
@@ -8076,11 +8010,7 @@
             </a:pPr>
             <a:r>
               <a:rPr lang="en-US" altLang="ja-JP" sz="2000" dirty="0" smtClean="0"/>
-              <a:t>View</a:t>
-            </a:r>
-            <a:r>
-              <a:rPr lang="en-US" altLang="ja-JP" sz="2000" dirty="0" smtClean="0"/>
-              <a:t>(nmdata2)</a:t>
+              <a:t>View(nmdata2)</a:t>
             </a:r>
             <a:endParaRPr lang="en-US" altLang="ja-JP" sz="2000" dirty="0"/>
           </a:p>
@@ -8350,11 +8280,7 @@
             <a:pPr lvl="1"/>
             <a:r>
               <a:rPr kumimoji="1" lang="ja-JP" altLang="en-US" dirty="0" smtClean="0"/>
-              <a:t>必要</a:t>
-            </a:r>
-            <a:r>
-              <a:rPr kumimoji="1" lang="ja-JP" altLang="en-US" dirty="0" smtClean="0"/>
-              <a:t>な関数の説明</a:t>
+              <a:t>必要な関数の説明</a:t>
             </a:r>
             <a:endParaRPr lang="en-US" altLang="ja-JP" dirty="0" smtClean="0"/>
           </a:p>
@@ -8384,27 +8310,15 @@
             <a:pPr lvl="1"/>
             <a:r>
               <a:rPr lang="ja-JP" altLang="en-US" dirty="0" smtClean="0"/>
-              <a:t>共</a:t>
-            </a:r>
+              <a:t>共変量候補の相関関係</a:t>
+            </a:r>
+            <a:endParaRPr lang="en-US" altLang="ja-JP" dirty="0" smtClean="0"/>
+          </a:p>
+          <a:p>
+            <a:pPr lvl="2"/>
             <a:r>
               <a:rPr lang="ja-JP" altLang="en-US" dirty="0" smtClean="0"/>
-              <a:t>変量候補の相関関係</a:t>
-            </a:r>
-            <a:endParaRPr lang="en-US" altLang="ja-JP" dirty="0" smtClean="0"/>
-          </a:p>
-          <a:p>
-            <a:pPr lvl="2"/>
-            <a:r>
-              <a:rPr lang="ja-JP" altLang="en-US" dirty="0" smtClean="0"/>
-              <a:t>必要</a:t>
-            </a:r>
-            <a:r>
-              <a:rPr lang="ja-JP" altLang="en-US" dirty="0" smtClean="0"/>
-              <a:t>な関数・パッケージ</a:t>
-            </a:r>
-            <a:r>
-              <a:rPr lang="ja-JP" altLang="en-US" dirty="0" smtClean="0"/>
-              <a:t>の説明</a:t>
+              <a:t>必要な関数・パッケージの説明</a:t>
             </a:r>
             <a:endParaRPr lang="en-US" altLang="ja-JP" dirty="0" smtClean="0"/>
           </a:p>
@@ -8427,11 +8341,7 @@
             </a:r>
             <a:r>
               <a:rPr lang="ja-JP" altLang="en-US" dirty="0" smtClean="0"/>
-              <a:t>（変量効果）と共変量の</a:t>
-            </a:r>
-            <a:r>
-              <a:rPr lang="ja-JP" altLang="en-US" dirty="0" smtClean="0"/>
-              <a:t>関係</a:t>
+              <a:t>（変量効果）と共変量の関係</a:t>
             </a:r>
             <a:endParaRPr lang="en-US" altLang="ja-JP" dirty="0" smtClean="0"/>
           </a:p>
@@ -8593,18 +8503,7 @@
                   </a:schemeClr>
                 </a:solidFill>
               </a:rPr>
-              <a:t>：</a:t>
-            </a:r>
-            <a:r>
-              <a:rPr kumimoji="1" lang="ja-JP" altLang="en-US" b="1" dirty="0" smtClean="0">
-                <a:solidFill>
-                  <a:schemeClr val="tx1">
-                    <a:lumMod val="50000"/>
-                    <a:lumOff val="50000"/>
-                  </a:schemeClr>
-                </a:solidFill>
-              </a:rPr>
-              <a:t>回答コード例</a:t>
+              <a:t>：回答コード例</a:t>
             </a:r>
             <a:endParaRPr kumimoji="1" lang="ja-JP" altLang="en-US" b="1" dirty="0">
               <a:solidFill>
@@ -8710,7 +8609,6 @@
               <a:rPr lang="en-US" altLang="ja-JP" sz="2000" dirty="0"/>
               <a:t>=HLTH))</a:t>
             </a:r>
-            <a:endParaRPr lang="en-US" altLang="ja-JP" sz="2000" dirty="0"/>
           </a:p>
           <a:p>
             <a:pPr marL="0" indent="0">
@@ -8931,11 +8829,7 @@
             </a:r>
             <a:r>
               <a:rPr kumimoji="1" lang="ja-JP" altLang="en-US" dirty="0" smtClean="0"/>
-              <a:t>内</a:t>
-            </a:r>
-            <a:r>
-              <a:rPr kumimoji="1" lang="ja-JP" altLang="en-US" dirty="0" smtClean="0"/>
-              <a:t>の</a:t>
+              <a:t>内の</a:t>
             </a:r>
             <a:r>
               <a:rPr lang="en-US" altLang="ja-JP" dirty="0" smtClean="0">
@@ -8959,15 +8853,7 @@
                   <a:schemeClr val="accent5"/>
                 </a:solidFill>
               </a:rPr>
-              <a:t>c</a:t>
-            </a:r>
-            <a:r>
-              <a:rPr lang="en-US" altLang="ja-JP" dirty="0" smtClean="0">
-                <a:solidFill>
-                  <a:schemeClr val="accent5"/>
-                </a:solidFill>
-              </a:rPr>
-              <a:t>atab61</a:t>
+              <a:t>catab61</a:t>
             </a:r>
             <a:r>
               <a:rPr lang="ja-JP" altLang="en-US" dirty="0" err="1" smtClean="0">
@@ -9738,18 +9624,7 @@
                   </a:schemeClr>
                 </a:solidFill>
               </a:rPr>
-              <a:t>：</a:t>
-            </a:r>
-            <a:r>
-              <a:rPr kumimoji="1" lang="ja-JP" altLang="en-US" b="1" dirty="0" smtClean="0">
-                <a:solidFill>
-                  <a:schemeClr val="tx1">
-                    <a:lumMod val="50000"/>
-                    <a:lumOff val="50000"/>
-                  </a:schemeClr>
-                </a:solidFill>
-              </a:rPr>
-              <a:t>回答コード例</a:t>
+              <a:t>：回答コード例</a:t>
             </a:r>
             <a:endParaRPr kumimoji="1" lang="ja-JP" altLang="en-US" b="1" dirty="0">
               <a:solidFill>
@@ -10040,7 +9915,6 @@
               <a:rPr lang="en-US" altLang="ja-JP" sz="2000" dirty="0"/>
               <a:t>, by="ID")</a:t>
             </a:r>
-            <a:endParaRPr lang="en-US" altLang="ja-JP" sz="2000" dirty="0"/>
           </a:p>
         </p:txBody>
       </p:sp>
@@ -10212,18 +10086,7 @@
                   </a:schemeClr>
                 </a:solidFill>
               </a:rPr>
-              <a:t>：</a:t>
-            </a:r>
-            <a:r>
-              <a:rPr kumimoji="1" lang="ja-JP" altLang="en-US" b="1" dirty="0" smtClean="0">
-                <a:solidFill>
-                  <a:schemeClr val="tx1">
-                    <a:lumMod val="50000"/>
-                    <a:lumOff val="50000"/>
-                  </a:schemeClr>
-                </a:solidFill>
-              </a:rPr>
-              <a:t>回答コード例</a:t>
+              <a:t>：回答コード例</a:t>
             </a:r>
             <a:endParaRPr kumimoji="1" lang="ja-JP" altLang="en-US" b="1" dirty="0">
               <a:solidFill>
@@ -10578,7 +10441,6 @@
               <a:rPr lang="en-US" altLang="ja-JP" sz="1400" dirty="0"/>
               <a:t>print(p)</a:t>
             </a:r>
-            <a:endParaRPr lang="en-US" altLang="ja-JP" sz="1400" dirty="0"/>
           </a:p>
         </p:txBody>
       </p:sp>
@@ -11563,12 +11425,12 @@
           <a:graphicData uri="http://schemas.openxmlformats.org/presentationml/2006/ole">
             <mc:AlternateContent xmlns:mc="http://schemas.openxmlformats.org/markup-compatibility/2006">
               <mc:Choice xmlns:v="urn:schemas-microsoft-com:vml" Requires="v">
-                <p:oleObj spid="_x0000_s2096" name="ワークシート" r:id="rId4" imgW="8429498" imgH="6696000" progId="Excel.Sheet.12">
+                <p:oleObj spid="_x0000_s2097" name="ワークシート" r:id="rId5" imgW="8429498" imgH="6696000" progId="Excel.Sheet.12">
                   <p:embed/>
                 </p:oleObj>
               </mc:Choice>
               <mc:Fallback>
-                <p:oleObj name="ワークシート" r:id="rId4" imgW="8429498" imgH="6696000" progId="Excel.Sheet.12">
+                <p:oleObj name="ワークシート" r:id="rId5" imgW="8429498" imgH="6696000" progId="Excel.Sheet.12">
                   <p:embed/>
                   <p:pic>
                     <p:nvPicPr>
@@ -11577,7 +11439,7 @@
                       <p:nvPr/>
                     </p:nvPicPr>
                     <p:blipFill>
-                      <a:blip r:embed="rId5"/>
+                      <a:blip r:embed="rId6"/>
                       <a:stretch>
                         <a:fillRect/>
                       </a:stretch>

--- a/1st_review_slide/2_data_visualization_201012.pptx
+++ b/1st_review_slide/2_data_visualization_201012.pptx
@@ -147,10 +147,69 @@
       </p:ext>
     </p:extLst>
   </p:cmAuthor>
+  <p:cmAuthor id="2" name="FUKAE MASATO / 深江 真登" initials="FM/深真" lastIdx="5" clrIdx="1">
+    <p:extLst>
+      <p:ext uri="{19B8F6BF-5375-455C-9EA6-DF929625EA0E}">
+        <p15:presenceInfo xmlns:p15="http://schemas.microsoft.com/office/powerpoint/2012/main" userId="S-1-5-21-2304227532-392271255-3195294537-169173" providerId="AD"/>
+      </p:ext>
+    </p:extLst>
+  </p:cmAuthor>
 </p:cmAuthorLst>
 </file>
 
 <file path=ppt/comments/comment1.xml><?xml version="1.0" encoding="utf-8"?>
+<p:cmLst xmlns:a="http://schemas.openxmlformats.org/drawingml/2006/main" xmlns:r="http://schemas.openxmlformats.org/officeDocument/2006/relationships" xmlns:p="http://schemas.openxmlformats.org/presentationml/2006/main">
+  <p:cm authorId="2" dt="2020-10-23T11:01:57.638" idx="1">
+    <p:pos x="3276" y="1171"/>
+    <p:text>ちっさくなってしまっているので、行数を減らすのと、RES列とWRES列は削除した方がみやすそうです。</p:text>
+    <p:extLst>
+      <p:ext uri="{C676402C-5697-4E1C-873F-D02D1690AC5C}">
+        <p15:threadingInfo xmlns:p15="http://schemas.microsoft.com/office/powerpoint/2012/main" timeZoneBias="-540"/>
+      </p:ext>
+    </p:extLst>
+  </p:cm>
+</p:cmLst>
+</file>
+
+<file path=ppt/comments/comment2.xml><?xml version="1.0" encoding="utf-8"?>
+<p:cmLst xmlns:a="http://schemas.openxmlformats.org/drawingml/2006/main" xmlns:r="http://schemas.openxmlformats.org/officeDocument/2006/relationships" xmlns:p="http://schemas.openxmlformats.org/presentationml/2006/main">
+  <p:cm authorId="2" dt="2020-10-23T11:03:35.469" idx="2">
+    <p:pos x="1866" y="1375"/>
+    <p:text>1に近いほど不透明なことを補足するとよいかも
+口頭でも十分かも</p:text>
+    <p:extLst>
+      <p:ext uri="{C676402C-5697-4E1C-873F-D02D1690AC5C}">
+        <p15:threadingInfo xmlns:p15="http://schemas.microsoft.com/office/powerpoint/2012/main" timeZoneBias="-540"/>
+      </p:ext>
+    </p:extLst>
+  </p:cm>
+  <p:cm authorId="2" dt="2020-10-23T11:04:16.944" idx="3">
+    <p:pos x="1613" y="1505"/>
+    <p:text>shape=21がおすすめなことを口頭で伝えてもよいかも</p:text>
+    <p:extLst>
+      <p:ext uri="{C676402C-5697-4E1C-873F-D02D1690AC5C}">
+        <p15:threadingInfo xmlns:p15="http://schemas.microsoft.com/office/powerpoint/2012/main" timeZoneBias="-540"/>
+      </p:ext>
+    </p:extLst>
+  </p:cm>
+</p:cmLst>
+</file>
+
+<file path=ppt/comments/comment3.xml><?xml version="1.0" encoding="utf-8"?>
+<p:cmLst xmlns:a="http://schemas.openxmlformats.org/drawingml/2006/main" xmlns:r="http://schemas.openxmlformats.org/officeDocument/2006/relationships" xmlns:p="http://schemas.openxmlformats.org/presentationml/2006/main">
+  <p:cm authorId="2" dt="2020-10-23T11:06:26.166" idx="4">
+    <p:pos x="4422" y="1390"/>
+    <p:text>足してみました。採否はお任せです。</p:text>
+    <p:extLst>
+      <p:ext uri="{C676402C-5697-4E1C-873F-D02D1690AC5C}">
+        <p15:threadingInfo xmlns:p15="http://schemas.microsoft.com/office/powerpoint/2012/main" timeZoneBias="-540"/>
+      </p:ext>
+    </p:extLst>
+  </p:cm>
+</p:cmLst>
+</file>
+
+<file path=ppt/comments/comment4.xml><?xml version="1.0" encoding="utf-8"?>
 <p:cmLst xmlns:a="http://schemas.openxmlformats.org/drawingml/2006/main" xmlns:r="http://schemas.openxmlformats.org/officeDocument/2006/relationships" xmlns:p="http://schemas.openxmlformats.org/presentationml/2006/main">
   <p:cm authorId="1" dt="2020-10-22T17:18:33.775" idx="1">
     <p:pos x="2935" y="2090"/>
@@ -167,7 +226,22 @@
 </p:cmLst>
 </file>
 
-<file path=ppt/comments/comment2.xml><?xml version="1.0" encoding="utf-8"?>
+<file path=ppt/comments/comment5.xml><?xml version="1.0" encoding="utf-8"?>
+<p:cmLst xmlns:a="http://schemas.openxmlformats.org/drawingml/2006/main" xmlns:r="http://schemas.openxmlformats.org/officeDocument/2006/relationships" xmlns:p="http://schemas.openxmlformats.org/presentationml/2006/main">
+  <p:cm authorId="2" dt="2020-10-23T11:08:09.026" idx="5">
+    <p:pos x="5693" y="959"/>
+    <p:text>ggpairsの用法を説明しているリンクつけるとよいかも
+詳細をこのセミナーで説明するのは難しそうなので</p:text>
+    <p:extLst>
+      <p:ext uri="{C676402C-5697-4E1C-873F-D02D1690AC5C}">
+        <p15:threadingInfo xmlns:p15="http://schemas.microsoft.com/office/powerpoint/2012/main" timeZoneBias="-540"/>
+      </p:ext>
+    </p:extLst>
+  </p:cm>
+</p:cmLst>
+</file>
+
+<file path=ppt/comments/comment6.xml><?xml version="1.0" encoding="utf-8"?>
 <p:cmLst xmlns:a="http://schemas.openxmlformats.org/drawingml/2006/main" xmlns:r="http://schemas.openxmlformats.org/officeDocument/2006/relationships" xmlns:p="http://schemas.openxmlformats.org/presentationml/2006/main">
   <p:cm authorId="1" dt="2020-10-22T17:22:11.340" idx="2">
     <p:pos x="1145" y="3266"/>
@@ -263,7 +337,7 @@
           <a:p>
             <a:fld id="{2A71EC23-F9ED-424C-B5FB-B7B5F6D78B70}" type="datetimeFigureOut">
               <a:rPr kumimoji="1" lang="ja-JP" altLang="en-US" smtClean="0"/>
-              <a:t>2020/10/22</a:t>
+              <a:t>2020/10/23</a:t>
             </a:fld>
             <a:endParaRPr kumimoji="1" lang="ja-JP" altLang="en-US"/>
           </a:p>
@@ -782,7 +856,7 @@
           <a:p>
             <a:fld id="{0F81A95D-05BA-458D-BB44-152E4BC8CA84}" type="datetime1">
               <a:rPr kumimoji="1" lang="ja-JP" altLang="en-US" smtClean="0"/>
-              <a:t>2020/10/22</a:t>
+              <a:t>2020/10/23</a:t>
             </a:fld>
             <a:endParaRPr kumimoji="1" lang="ja-JP" altLang="en-US"/>
           </a:p>
@@ -1004,7 +1078,7 @@
           <a:p>
             <a:fld id="{9906A6E4-4266-427F-9354-B8DA436806C3}" type="datetime1">
               <a:rPr kumimoji="1" lang="ja-JP" altLang="en-US" smtClean="0"/>
-              <a:t>2020/10/22</a:t>
+              <a:t>2020/10/23</a:t>
             </a:fld>
             <a:endParaRPr kumimoji="1" lang="ja-JP" altLang="en-US"/>
           </a:p>
@@ -1220,7 +1294,7 @@
           <a:p>
             <a:fld id="{362664A4-23FB-43CF-818D-F7393D757BD2}" type="datetime1">
               <a:rPr kumimoji="1" lang="ja-JP" altLang="en-US" smtClean="0"/>
-              <a:t>2020/10/22</a:t>
+              <a:t>2020/10/23</a:t>
             </a:fld>
             <a:endParaRPr kumimoji="1" lang="ja-JP" altLang="en-US"/>
           </a:p>
@@ -1426,7 +1500,7 @@
           <a:p>
             <a:fld id="{BFE15652-DDD4-4E36-9CB3-8E9EF446BEDB}" type="datetime1">
               <a:rPr kumimoji="1" lang="ja-JP" altLang="en-US" smtClean="0"/>
-              <a:t>2020/10/22</a:t>
+              <a:t>2020/10/23</a:t>
             </a:fld>
             <a:endParaRPr kumimoji="1" lang="ja-JP" altLang="en-US"/>
           </a:p>
@@ -1697,7 +1771,7 @@
           <a:p>
             <a:fld id="{30BAF585-2E3D-431A-AD29-AD87965751CC}" type="datetime1">
               <a:rPr kumimoji="1" lang="ja-JP" altLang="en-US" smtClean="0"/>
-              <a:t>2020/10/22</a:t>
+              <a:t>2020/10/23</a:t>
             </a:fld>
             <a:endParaRPr kumimoji="1" lang="ja-JP" altLang="en-US"/>
           </a:p>
@@ -2013,7 +2087,7 @@
           <a:p>
             <a:fld id="{0A1D67E2-B520-4BB6-8434-DE7E995735B8}" type="datetime1">
               <a:rPr kumimoji="1" lang="ja-JP" altLang="en-US" smtClean="0"/>
-              <a:t>2020/10/22</a:t>
+              <a:t>2020/10/23</a:t>
             </a:fld>
             <a:endParaRPr kumimoji="1" lang="ja-JP" altLang="en-US"/>
           </a:p>
@@ -2464,7 +2538,7 @@
           <a:p>
             <a:fld id="{500F9857-EF08-440C-94CB-83D9EE0D5A5A}" type="datetime1">
               <a:rPr kumimoji="1" lang="ja-JP" altLang="en-US" smtClean="0"/>
-              <a:t>2020/10/22</a:t>
+              <a:t>2020/10/23</a:t>
             </a:fld>
             <a:endParaRPr kumimoji="1" lang="ja-JP" altLang="en-US"/>
           </a:p>
@@ -2602,7 +2676,7 @@
           <a:p>
             <a:fld id="{B6BF44F8-E47A-4CCA-94C1-5A88DC7B414A}" type="datetime1">
               <a:rPr kumimoji="1" lang="ja-JP" altLang="en-US" smtClean="0"/>
-              <a:t>2020/10/22</a:t>
+              <a:t>2020/10/23</a:t>
             </a:fld>
             <a:endParaRPr kumimoji="1" lang="ja-JP" altLang="en-US"/>
           </a:p>
@@ -2717,7 +2791,7 @@
           <a:p>
             <a:fld id="{DE263015-59FD-444D-A49B-45D0DD94C4F1}" type="datetime1">
               <a:rPr kumimoji="1" lang="ja-JP" altLang="en-US" smtClean="0"/>
-              <a:t>2020/10/22</a:t>
+              <a:t>2020/10/23</a:t>
             </a:fld>
             <a:endParaRPr kumimoji="1" lang="ja-JP" altLang="en-US"/>
           </a:p>
@@ -3046,7 +3120,7 @@
           <a:p>
             <a:fld id="{7A6651C1-F643-424E-9D81-62CF9A82FABB}" type="datetime1">
               <a:rPr kumimoji="1" lang="ja-JP" altLang="en-US" smtClean="0"/>
-              <a:t>2020/10/22</a:t>
+              <a:t>2020/10/23</a:t>
             </a:fld>
             <a:endParaRPr kumimoji="1" lang="ja-JP" altLang="en-US"/>
           </a:p>
@@ -3307,7 +3381,7 @@
           <a:p>
             <a:fld id="{E79AACC8-2A3E-4AB1-936D-2A445495DFBA}" type="datetime1">
               <a:rPr kumimoji="1" lang="ja-JP" altLang="en-US" smtClean="0"/>
-              <a:t>2020/10/22</a:t>
+              <a:t>2020/10/23</a:t>
             </a:fld>
             <a:endParaRPr kumimoji="1" lang="ja-JP" altLang="en-US"/>
           </a:p>
@@ -3556,7 +3630,7 @@
           <a:p>
             <a:fld id="{79B7E619-0862-4EB5-B675-91B651E48568}" type="datetime1">
               <a:rPr kumimoji="1" lang="ja-JP" altLang="en-US" smtClean="0"/>
-              <a:t>2020/10/22</a:t>
+              <a:t>2020/10/23</a:t>
             </a:fld>
             <a:endParaRPr kumimoji="1" lang="ja-JP" altLang="en-US"/>
           </a:p>
@@ -11425,7 +11499,7 @@
           <a:graphicData uri="http://schemas.openxmlformats.org/presentationml/2006/ole">
             <mc:AlternateContent xmlns:mc="http://schemas.openxmlformats.org/markup-compatibility/2006">
               <mc:Choice xmlns:v="urn:schemas-microsoft-com:vml" Requires="v">
-                <p:oleObj spid="_x0000_s2097" name="ワークシート" r:id="rId5" imgW="8429498" imgH="6696000" progId="Excel.Sheet.12">
+                <p:oleObj spid="_x0000_s2098" name="ワークシート" r:id="rId5" imgW="8429498" imgH="6696000" progId="Excel.Sheet.12">
                   <p:embed/>
                 </p:oleObj>
               </mc:Choice>
@@ -12655,6 +12729,162 @@
           </a:prstGeom>
         </p:spPr>
       </p:pic>
+      <p:sp>
+        <p:nvSpPr>
+          <p:cNvPr id="6" name="テキスト ボックス 5"/>
+          <p:cNvSpPr txBox="1"/>
+          <p:nvPr/>
+        </p:nvSpPr>
+        <p:spPr>
+          <a:xfrm>
+            <a:off x="6239973" y="2206752"/>
+            <a:ext cx="779951" cy="584775"/>
+          </a:xfrm>
+          <a:prstGeom prst="rect">
+            <a:avLst/>
+          </a:prstGeom>
+          <a:noFill/>
+        </p:spPr>
+        <p:txBody>
+          <a:bodyPr wrap="square" rtlCol="0">
+            <a:spAutoFit/>
+          </a:bodyPr>
+          <a:lstStyle/>
+          <a:p>
+            <a:pPr algn="ctr"/>
+            <a:r>
+              <a:rPr kumimoji="1" lang="en-US" altLang="ja-JP" sz="3200" b="1" dirty="0" smtClean="0">
+                <a:solidFill>
+                  <a:schemeClr val="accent6"/>
+                </a:solidFill>
+              </a:rPr>
+              <a:t>p1</a:t>
+            </a:r>
+            <a:endParaRPr kumimoji="1" lang="ja-JP" altLang="en-US" sz="3200" b="1" dirty="0">
+              <a:solidFill>
+                <a:schemeClr val="accent6"/>
+              </a:solidFill>
+            </a:endParaRPr>
+          </a:p>
+        </p:txBody>
+      </p:sp>
+      <p:sp>
+        <p:nvSpPr>
+          <p:cNvPr id="8" name="テキスト ボックス 7"/>
+          <p:cNvSpPr txBox="1"/>
+          <p:nvPr/>
+        </p:nvSpPr>
+        <p:spPr>
+          <a:xfrm>
+            <a:off x="8952693" y="2206751"/>
+            <a:ext cx="779951" cy="584775"/>
+          </a:xfrm>
+          <a:prstGeom prst="rect">
+            <a:avLst/>
+          </a:prstGeom>
+          <a:noFill/>
+        </p:spPr>
+        <p:txBody>
+          <a:bodyPr wrap="square" rtlCol="0">
+            <a:spAutoFit/>
+          </a:bodyPr>
+          <a:lstStyle/>
+          <a:p>
+            <a:pPr algn="ctr"/>
+            <a:r>
+              <a:rPr kumimoji="1" lang="en-US" altLang="ja-JP" sz="3200" b="1" dirty="0" smtClean="0">
+                <a:solidFill>
+                  <a:schemeClr val="accent6"/>
+                </a:solidFill>
+              </a:rPr>
+              <a:t>p2</a:t>
+            </a:r>
+            <a:endParaRPr kumimoji="1" lang="ja-JP" altLang="en-US" sz="3200" b="1" dirty="0">
+              <a:solidFill>
+                <a:schemeClr val="accent6"/>
+              </a:solidFill>
+            </a:endParaRPr>
+          </a:p>
+        </p:txBody>
+      </p:sp>
+      <p:sp>
+        <p:nvSpPr>
+          <p:cNvPr id="9" name="テキスト ボックス 8"/>
+          <p:cNvSpPr txBox="1"/>
+          <p:nvPr/>
+        </p:nvSpPr>
+        <p:spPr>
+          <a:xfrm>
+            <a:off x="6819093" y="4041308"/>
+            <a:ext cx="779951" cy="584775"/>
+          </a:xfrm>
+          <a:prstGeom prst="rect">
+            <a:avLst/>
+          </a:prstGeom>
+          <a:noFill/>
+        </p:spPr>
+        <p:txBody>
+          <a:bodyPr wrap="square" rtlCol="0">
+            <a:spAutoFit/>
+          </a:bodyPr>
+          <a:lstStyle/>
+          <a:p>
+            <a:pPr algn="ctr"/>
+            <a:r>
+              <a:rPr kumimoji="1" lang="en-US" altLang="ja-JP" sz="3200" b="1" dirty="0" smtClean="0">
+                <a:solidFill>
+                  <a:schemeClr val="accent6"/>
+                </a:solidFill>
+              </a:rPr>
+              <a:t>p3</a:t>
+            </a:r>
+            <a:endParaRPr kumimoji="1" lang="ja-JP" altLang="en-US" sz="3200" b="1" dirty="0">
+              <a:solidFill>
+                <a:schemeClr val="accent6"/>
+              </a:solidFill>
+            </a:endParaRPr>
+          </a:p>
+        </p:txBody>
+      </p:sp>
+      <p:sp>
+        <p:nvSpPr>
+          <p:cNvPr id="10" name="テキスト ボックス 9"/>
+          <p:cNvSpPr txBox="1"/>
+          <p:nvPr/>
+        </p:nvSpPr>
+        <p:spPr>
+          <a:xfrm>
+            <a:off x="9531813" y="4041307"/>
+            <a:ext cx="779951" cy="584775"/>
+          </a:xfrm>
+          <a:prstGeom prst="rect">
+            <a:avLst/>
+          </a:prstGeom>
+          <a:noFill/>
+        </p:spPr>
+        <p:txBody>
+          <a:bodyPr wrap="square" rtlCol="0">
+            <a:spAutoFit/>
+          </a:bodyPr>
+          <a:lstStyle/>
+          <a:p>
+            <a:pPr algn="ctr"/>
+            <a:r>
+              <a:rPr kumimoji="1" lang="en-US" altLang="ja-JP" sz="3200" b="1" dirty="0" smtClean="0">
+                <a:solidFill>
+                  <a:schemeClr val="accent6"/>
+                </a:solidFill>
+              </a:rPr>
+              <a:t>p4</a:t>
+            </a:r>
+            <a:endParaRPr kumimoji="1" lang="ja-JP" altLang="en-US" sz="3200" b="1" dirty="0">
+              <a:solidFill>
+                <a:schemeClr val="accent6"/>
+              </a:solidFill>
+            </a:endParaRPr>
+          </a:p>
+        </p:txBody>
+      </p:sp>
     </p:spTree>
     <p:extLst>
       <p:ext uri="{BB962C8B-B14F-4D97-AF65-F5344CB8AC3E}">

--- a/1st_review_slide/2_data_visualization_201012.pptx
+++ b/1st_review_slide/2_data_visualization_201012.pptx
@@ -154,6 +154,13 @@
       </p:ext>
     </p:extLst>
   </p:cmAuthor>
+  <p:cmAuthor id="3" name="Sasaki, Tomohiro(佐々木　智啓)" initials="ST" lastIdx="3" clrIdx="2">
+    <p:extLst>
+      <p:ext uri="{19B8F6BF-5375-455C-9EA6-DF929625EA0E}">
+        <p15:presenceInfo xmlns:p15="http://schemas.microsoft.com/office/powerpoint/2012/main" userId="S-1-5-21-3841407579-178316750-4048479971-94754" providerId="AD"/>
+      </p:ext>
+    </p:extLst>
+  </p:cmAuthor>
 </p:cmAuthorLst>
 </file>
 
@@ -192,6 +199,16 @@
       </p:ext>
     </p:extLst>
   </p:cm>
+  <p:cm authorId="3" dt="2020-10-23T13:36:58.726" idx="1">
+    <p:pos x="2483" y="1416"/>
+    <p:text>このリンクを参照しても良いかもしれません
+http://www.cookbook-r.com/Graphs/Shapes_and_line_types/</p:text>
+    <p:extLst>
+      <p:ext uri="{C676402C-5697-4E1C-873F-D02D1690AC5C}">
+        <p15:threadingInfo xmlns:p15="http://schemas.microsoft.com/office/powerpoint/2012/main" timeZoneBias="-540"/>
+      </p:ext>
+    </p:extLst>
+  </p:cm>
 </p:cmLst>
 </file>
 
@@ -211,6 +228,20 @@
 
 <file path=ppt/comments/comment4.xml><?xml version="1.0" encoding="utf-8"?>
 <p:cmLst xmlns:a="http://schemas.openxmlformats.org/drawingml/2006/main" xmlns:r="http://schemas.openxmlformats.org/officeDocument/2006/relationships" xmlns:p="http://schemas.openxmlformats.org/presentationml/2006/main">
+  <p:cm authorId="3" dt="2020-10-23T13:56:22.327" idx="3">
+    <p:pos x="1268" y="343"/>
+    <p:text>ここのタイトルとしては「共変量探索」の方が適切な印象を受けました。</p:text>
+    <p:extLst>
+      <p:ext uri="{C676402C-5697-4E1C-873F-D02D1690AC5C}">
+        <p15:threadingInfo xmlns:p15="http://schemas.microsoft.com/office/powerpoint/2012/main" timeZoneBias="-540"/>
+      </p:ext>
+    </p:extLst>
+  </p:cm>
+</p:cmLst>
+</file>
+
+<file path=ppt/comments/comment5.xml><?xml version="1.0" encoding="utf-8"?>
+<p:cmLst xmlns:a="http://schemas.openxmlformats.org/drawingml/2006/main" xmlns:r="http://schemas.openxmlformats.org/officeDocument/2006/relationships" xmlns:p="http://schemas.openxmlformats.org/presentationml/2006/main">
   <p:cm authorId="1" dt="2020-10-22T17:18:33.775" idx="1">
     <p:pos x="2935" y="2090"/>
     <p:text>コード自体は全く問題ないのですが、
@@ -226,7 +257,7 @@
 </p:cmLst>
 </file>
 
-<file path=ppt/comments/comment5.xml><?xml version="1.0" encoding="utf-8"?>
+<file path=ppt/comments/comment6.xml><?xml version="1.0" encoding="utf-8"?>
 <p:cmLst xmlns:a="http://schemas.openxmlformats.org/drawingml/2006/main" xmlns:r="http://schemas.openxmlformats.org/officeDocument/2006/relationships" xmlns:p="http://schemas.openxmlformats.org/presentationml/2006/main">
   <p:cm authorId="2" dt="2020-10-23T11:08:09.026" idx="5">
     <p:pos x="5693" y="959"/>
@@ -241,7 +272,7 @@
 </p:cmLst>
 </file>
 
-<file path=ppt/comments/comment6.xml><?xml version="1.0" encoding="utf-8"?>
+<file path=ppt/comments/comment7.xml><?xml version="1.0" encoding="utf-8"?>
 <p:cmLst xmlns:a="http://schemas.openxmlformats.org/drawingml/2006/main" xmlns:r="http://schemas.openxmlformats.org/officeDocument/2006/relationships" xmlns:p="http://schemas.openxmlformats.org/presentationml/2006/main">
   <p:cm authorId="1" dt="2020-10-22T17:22:11.340" idx="2">
     <p:pos x="1145" y="3266"/>
@@ -5531,6 +5562,13 @@
   <p:clrMapOvr>
     <a:masterClrMapping/>
   </p:clrMapOvr>
+  <p:timing>
+    <p:tnLst>
+      <p:par>
+        <p:cTn id="1" dur="indefinite" restart="never" nodeType="tmRoot"/>
+      </p:par>
+    </p:tnLst>
+  </p:timing>
 </p:sld>
 </file>
 
@@ -11499,12 +11537,12 @@
           <a:graphicData uri="http://schemas.openxmlformats.org/presentationml/2006/ole">
             <mc:AlternateContent xmlns:mc="http://schemas.openxmlformats.org/markup-compatibility/2006">
               <mc:Choice xmlns:v="urn:schemas-microsoft-com:vml" Requires="v">
-                <p:oleObj spid="_x0000_s2098" name="ワークシート" r:id="rId5" imgW="8429498" imgH="6696000" progId="Excel.Sheet.12">
+                <p:oleObj spid="_x0000_s2100" name="ワークシート" r:id="rId4" imgW="8429498" imgH="6696000" progId="Excel.Sheet.12">
                   <p:embed/>
                 </p:oleObj>
               </mc:Choice>
               <mc:Fallback>
-                <p:oleObj name="ワークシート" r:id="rId5" imgW="8429498" imgH="6696000" progId="Excel.Sheet.12">
+                <p:oleObj name="ワークシート" r:id="rId4" imgW="8429498" imgH="6696000" progId="Excel.Sheet.12">
                   <p:embed/>
                   <p:pic>
                     <p:nvPicPr>
@@ -11513,7 +11551,7 @@
                       <p:nvPr/>
                     </p:nvPicPr>
                     <p:blipFill>
-                      <a:blip r:embed="rId6"/>
+                      <a:blip r:embed="rId5"/>
                       <a:stretch>
                         <a:fillRect/>
                       </a:stretch>

--- a/1st_review_slide/2_data_visualization_201012.pptx
+++ b/1st_review_slide/2_data_visualization_201012.pptx
@@ -154,7 +154,7 @@
       </p:ext>
     </p:extLst>
   </p:cmAuthor>
-  <p:cmAuthor id="3" name="Sasaki, Tomohiro(佐々木　智啓)" initials="ST" lastIdx="3" clrIdx="2">
+  <p:cmAuthor id="3" name="Sasaki, Tomohiro(佐々木　智啓)" initials="ST" lastIdx="5" clrIdx="2">
     <p:extLst>
       <p:ext uri="{19B8F6BF-5375-455C-9EA6-DF929625EA0E}">
         <p15:presenceInfo xmlns:p15="http://schemas.microsoft.com/office/powerpoint/2012/main" userId="S-1-5-21-3841407579-178316750-4048479971-94754" providerId="AD"/>
@@ -228,9 +228,9 @@
 
 <file path=ppt/comments/comment4.xml><?xml version="1.0" encoding="utf-8"?>
 <p:cmLst xmlns:a="http://schemas.openxmlformats.org/drawingml/2006/main" xmlns:r="http://schemas.openxmlformats.org/officeDocument/2006/relationships" xmlns:p="http://schemas.openxmlformats.org/presentationml/2006/main">
-  <p:cm authorId="3" dt="2020-10-23T13:56:22.327" idx="3">
-    <p:pos x="1268" y="343"/>
-    <p:text>ここのタイトルとしては「共変量探索」の方が適切な印象を受けました。</p:text>
+  <p:cm authorId="3" dt="2020-10-23T21:57:48.313" idx="4">
+    <p:pos x="5701" y="1638"/>
+    <p:text>べき乗的な？の方が良いかもしれません。</p:text>
     <p:extLst>
       <p:ext uri="{C676402C-5697-4E1C-873F-D02D1690AC5C}">
         <p15:threadingInfo xmlns:p15="http://schemas.microsoft.com/office/powerpoint/2012/main" timeZoneBias="-540"/>
@@ -251,6 +251,17 @@
     <p:extLst>
       <p:ext uri="{C676402C-5697-4E1C-873F-D02D1690AC5C}">
         <p15:threadingInfo xmlns:p15="http://schemas.microsoft.com/office/powerpoint/2012/main" timeZoneBias="-540"/>
+      </p:ext>
+    </p:extLst>
+  </p:cm>
+  <p:cm authorId="3" dt="2020-10-23T21:59:08.041" idx="5">
+    <p:pos x="2935" y="2226"/>
+    <p:text>こっちの方が短くて良いので，こっちの書き方をメインに私のスライドを直します！</p:text>
+    <p:extLst>
+      <p:ext uri="{C676402C-5697-4E1C-873F-D02D1690AC5C}">
+        <p15:threadingInfo xmlns:p15="http://schemas.microsoft.com/office/powerpoint/2012/main" timeZoneBias="-540">
+          <p15:parentCm authorId="1" idx="1"/>
+        </p15:threadingInfo>
       </p:ext>
     </p:extLst>
   </p:cm>
@@ -11537,7 +11548,7 @@
           <a:graphicData uri="http://schemas.openxmlformats.org/presentationml/2006/ole">
             <mc:AlternateContent xmlns:mc="http://schemas.openxmlformats.org/markup-compatibility/2006">
               <mc:Choice xmlns:v="urn:schemas-microsoft-com:vml" Requires="v">
-                <p:oleObj spid="_x0000_s2100" name="ワークシート" r:id="rId4" imgW="8429498" imgH="6696000" progId="Excel.Sheet.12">
+                <p:oleObj spid="_x0000_s2102" name="ワークシート" r:id="rId4" imgW="8429498" imgH="6696000" progId="Excel.Sheet.12">
                   <p:embed/>
                 </p:oleObj>
               </mc:Choice>
